--- a/text_ppt/라즈베리파이_IoT_03.pptx
+++ b/text_ppt/라즈베리파이_IoT_03.pptx
@@ -291,7 +291,7 @@
             <a:fld id="{3FC53504-65F3-4599-B69E-DF55507BDEE0}" type="datetimeFigureOut">
               <a:rPr lang="ko-KR" altLang="en-US" smtClean="0"/>
               <a:pPr/>
-              <a:t>2023-05-03</a:t>
+              <a:t>2023-05-22</a:t>
             </a:fld>
             <a:endParaRPr lang="ko-KR" altLang="en-US"/>
           </a:p>
@@ -3566,7 +3566,7 @@
             <a:fld id="{FB30EDBD-1C2D-4C1E-B459-B60219FAB484}" type="datetimeFigureOut">
               <a:rPr lang="ko-KR" altLang="en-US" smtClean="0"/>
               <a:pPr/>
-              <a:t>2023-05-03</a:t>
+              <a:t>2023-05-22</a:t>
             </a:fld>
             <a:endParaRPr lang="ko-KR" altLang="en-US"/>
           </a:p>
@@ -4692,7 +4692,7 @@
             <a:fld id="{FB30EDBD-1C2D-4C1E-B459-B60219FAB484}" type="datetimeFigureOut">
               <a:rPr lang="ko-KR" altLang="en-US" smtClean="0"/>
               <a:pPr/>
-              <a:t>2023-05-03</a:t>
+              <a:t>2023-05-22</a:t>
             </a:fld>
             <a:endParaRPr lang="ko-KR" altLang="en-US"/>
           </a:p>
@@ -5299,7 +5299,7 @@
             <a:fld id="{FB30EDBD-1C2D-4C1E-B459-B60219FAB484}" type="datetimeFigureOut">
               <a:rPr lang="ko-KR" altLang="en-US" smtClean="0"/>
               <a:pPr/>
-              <a:t>2023-05-03</a:t>
+              <a:t>2023-05-22</a:t>
             </a:fld>
             <a:endParaRPr lang="ko-KR" altLang="en-US"/>
           </a:p>
@@ -5819,7 +5819,7 @@
             <a:fld id="{FB30EDBD-1C2D-4C1E-B459-B60219FAB484}" type="datetimeFigureOut">
               <a:rPr lang="ko-KR" altLang="en-US" smtClean="0"/>
               <a:pPr/>
-              <a:t>2023-05-03</a:t>
+              <a:t>2023-05-22</a:t>
             </a:fld>
             <a:endParaRPr lang="ko-KR" altLang="en-US"/>
           </a:p>
@@ -6871,7 +6871,7 @@
             <a:fld id="{FB30EDBD-1C2D-4C1E-B459-B60219FAB484}" type="datetimeFigureOut">
               <a:rPr lang="ko-KR" altLang="en-US" smtClean="0"/>
               <a:pPr/>
-              <a:t>2023-05-03</a:t>
+              <a:t>2023-05-22</a:t>
             </a:fld>
             <a:endParaRPr lang="ko-KR" altLang="en-US"/>
           </a:p>
@@ -8144,7 +8144,7 @@
             <a:fld id="{FB30EDBD-1C2D-4C1E-B459-B60219FAB484}" type="datetimeFigureOut">
               <a:rPr lang="ko-KR" altLang="en-US" smtClean="0"/>
               <a:pPr/>
-              <a:t>2023-05-03</a:t>
+              <a:t>2023-05-22</a:t>
             </a:fld>
             <a:endParaRPr lang="ko-KR" altLang="en-US"/>
           </a:p>
@@ -8870,7 +8870,7 @@
             <a:fld id="{FB30EDBD-1C2D-4C1E-B459-B60219FAB484}" type="datetimeFigureOut">
               <a:rPr lang="ko-KR" altLang="en-US" smtClean="0"/>
               <a:pPr/>
-              <a:t>2023-05-03</a:t>
+              <a:t>2023-05-22</a:t>
             </a:fld>
             <a:endParaRPr lang="ko-KR" altLang="en-US"/>
           </a:p>
@@ -10038,7 +10038,7 @@
             <a:fld id="{FB30EDBD-1C2D-4C1E-B459-B60219FAB484}" type="datetimeFigureOut">
               <a:rPr lang="ko-KR" altLang="en-US" smtClean="0"/>
               <a:pPr/>
-              <a:t>2023-05-03</a:t>
+              <a:t>2023-05-22</a:t>
             </a:fld>
             <a:endParaRPr lang="ko-KR" altLang="en-US"/>
           </a:p>
@@ -10676,7 +10676,7 @@
             <a:fld id="{FB30EDBD-1C2D-4C1E-B459-B60219FAB484}" type="datetimeFigureOut">
               <a:rPr lang="ko-KR" altLang="en-US" smtClean="0"/>
               <a:pPr/>
-              <a:t>2023-05-03</a:t>
+              <a:t>2023-05-22</a:t>
             </a:fld>
             <a:endParaRPr lang="ko-KR" altLang="en-US"/>
           </a:p>
@@ -11448,7 +11448,7 @@
             <a:fld id="{FB30EDBD-1C2D-4C1E-B459-B60219FAB484}" type="datetimeFigureOut">
               <a:rPr lang="ko-KR" altLang="en-US" smtClean="0"/>
               <a:pPr/>
-              <a:t>2023-05-03</a:t>
+              <a:t>2023-05-22</a:t>
             </a:fld>
             <a:endParaRPr lang="ko-KR" altLang="en-US"/>
           </a:p>
@@ -11916,7 +11916,7 @@
             <a:fld id="{FB30EDBD-1C2D-4C1E-B459-B60219FAB484}" type="datetimeFigureOut">
               <a:rPr lang="ko-KR" altLang="en-US" smtClean="0"/>
               <a:pPr/>
-              <a:t>2023-05-03</a:t>
+              <a:t>2023-05-22</a:t>
             </a:fld>
             <a:endParaRPr lang="ko-KR" altLang="en-US"/>
           </a:p>
@@ -12016,7 +12016,7 @@
             <a:fld id="{FB30EDBD-1C2D-4C1E-B459-B60219FAB484}" type="datetimeFigureOut">
               <a:rPr lang="ko-KR" altLang="en-US" smtClean="0"/>
               <a:pPr/>
-              <a:t>2023-05-03</a:t>
+              <a:t>2023-05-22</a:t>
             </a:fld>
             <a:endParaRPr lang="ko-KR" altLang="en-US"/>
           </a:p>
@@ -15538,12 +15538,48 @@
                         </a:spcAft>
                       </a:pPr>
                       <a:r>
-                        <a:rPr lang="en-US" sz="1200" kern="1100">
-                          <a:effectLst/>
-                        </a:rPr>
-                        <a:t>void pinMode(int pin, int mode);</a:t>
-                      </a:r>
-                      <a:endParaRPr lang="ko-KR" sz="1200" b="1" kern="1100">
+                        <a:rPr lang="en-US" sz="1200" kern="1100" dirty="0">
+                          <a:effectLst/>
+                        </a:rPr>
+                        <a:t>void </a:t>
+                      </a:r>
+                      <a:r>
+                        <a:rPr lang="en-US" sz="1200" kern="1100" dirty="0" err="1">
+                          <a:effectLst/>
+                        </a:rPr>
+                        <a:t>pinMode</a:t>
+                      </a:r>
+                      <a:r>
+                        <a:rPr lang="en-US" sz="1200" kern="1100" dirty="0">
+                          <a:effectLst/>
+                        </a:rPr>
+                        <a:t>(</a:t>
+                      </a:r>
+                      <a:r>
+                        <a:rPr lang="en-US" sz="1200" kern="1100" dirty="0" err="1">
+                          <a:effectLst/>
+                        </a:rPr>
+                        <a:t>int</a:t>
+                      </a:r>
+                      <a:r>
+                        <a:rPr lang="en-US" sz="1200" kern="1100" dirty="0">
+                          <a:effectLst/>
+                        </a:rPr>
+                        <a:t> pin, </a:t>
+                      </a:r>
+                      <a:r>
+                        <a:rPr lang="en-US" sz="1200" kern="1100" dirty="0" err="1">
+                          <a:effectLst/>
+                        </a:rPr>
+                        <a:t>int</a:t>
+                      </a:r>
+                      <a:r>
+                        <a:rPr lang="en-US" sz="1200" kern="1100" dirty="0">
+                          <a:effectLst/>
+                        </a:rPr>
+                        <a:t> mode);</a:t>
+                      </a:r>
+                      <a:endParaRPr lang="ko-KR" sz="1200" b="1" kern="1100" dirty="0">
                         <a:effectLst/>
                         <a:latin typeface="Calibri"/>
                         <a:ea typeface="맑은 고딕"/>
@@ -27972,7 +28008,7 @@
           <p:nvPr>
             <p:extLst>
               <p:ext uri="{D42A27DB-BD31-4B8C-83A1-F6EECF244321}">
-                <p14:modId xmlns:p14="http://schemas.microsoft.com/office/powerpoint/2010/main" val="2153457861"/>
+                <p14:modId xmlns:p14="http://schemas.microsoft.com/office/powerpoint/2010/main" val="2152708500"/>
               </p:ext>
             </p:extLst>
           </p:nvPr>
@@ -28065,7 +28101,15 @@
                           <a:latin typeface="Courier New" panose="02070309020205020404" pitchFamily="49" charset="0"/>
                           <a:cs typeface="Courier New" panose="02070309020205020404" pitchFamily="49" charset="0"/>
                         </a:rPr>
-                        <a:t> clone git://git.drogon.net/wiringPi</a:t>
+                        <a:t> clone </a:t>
+                      </a:r>
+                      <a:r>
+                        <a:rPr lang="en-US" sz="1000" kern="1100" dirty="0" smtClean="0">
+                          <a:effectLst/>
+                          <a:latin typeface="Courier New" panose="02070309020205020404" pitchFamily="49" charset="0"/>
+                          <a:cs typeface="Courier New" panose="02070309020205020404" pitchFamily="49" charset="0"/>
+                        </a:rPr>
+                        <a:t>https://github.com/WiringPi/WiringPi.git</a:t>
                       </a:r>
                       <a:endParaRPr lang="ko-KR" sz="1100" b="1" kern="1100" dirty="0">
                         <a:effectLst/>
